--- a/Prezentace/4_RMarkdown_formaty.pptx
+++ b/Prezentace/4_RMarkdown_formaty.pptx
@@ -320,7 +320,7 @@
               <a:pPr>
                 <a:defRPr/>
               </a:pPr>
-              <a:t>05.06.2024</a:t>
+              <a:t>06.06.2024</a:t>
             </a:fld>
             <a:endParaRPr lang="cs-CZ"/>
           </a:p>
@@ -3516,7 +3516,7 @@
               <a:pPr>
                 <a:defRPr/>
               </a:pPr>
-              <a:t>05.06.2024</a:t>
+              <a:t>06.06.2024</a:t>
             </a:fld>
             <a:endParaRPr lang="cs-CZ"/>
           </a:p>
@@ -4867,8 +4867,8 @@
         </p:nvSpPr>
         <p:spPr>
           <a:xfrm>
-            <a:off x="718457" y="2228671"/>
-            <a:ext cx="8798767" cy="1754326"/>
+            <a:off x="718457" y="1976744"/>
+            <a:ext cx="8798767" cy="3416320"/>
           </a:xfrm>
           <a:prstGeom prst="rect">
             <a:avLst/>
@@ -4882,84 +4882,84 @@
           <a:lstStyle/>
           <a:p>
             <a:r>
-              <a:rPr lang="cs-CZ" dirty="0"/>
+              <a:rPr lang="cs-CZ" sz="3600" dirty="0"/>
               <a:t>…</a:t>
             </a:r>
           </a:p>
           <a:p>
             <a:r>
-              <a:rPr lang="en-US" dirty="0"/>
+              <a:rPr lang="en-US" sz="3600" dirty="0"/>
               <a:t>knit: (function(</a:t>
             </a:r>
             <a:r>
-              <a:rPr lang="en-US" dirty="0" err="1"/>
+              <a:rPr lang="en-US" sz="3600" dirty="0" err="1"/>
               <a:t>inputFile</a:t>
             </a:r>
             <a:r>
-              <a:rPr lang="en-US" dirty="0"/>
+              <a:rPr lang="en-US" sz="3600" dirty="0"/>
               <a:t>, encoding) {</a:t>
             </a:r>
           </a:p>
           <a:p>
             <a:r>
-              <a:rPr lang="en-US" dirty="0"/>
+              <a:rPr lang="en-US" sz="3600" dirty="0"/>
               <a:t>  </a:t>
             </a:r>
             <a:r>
-              <a:rPr lang="en-US" dirty="0" err="1"/>
+              <a:rPr lang="en-US" sz="3600" dirty="0" err="1"/>
               <a:t>rmarkdown</a:t>
             </a:r>
             <a:r>
-              <a:rPr lang="en-US" dirty="0"/>
+              <a:rPr lang="en-US" sz="3600" dirty="0"/>
               <a:t>::render(</a:t>
             </a:r>
             <a:r>
-              <a:rPr lang="en-US" dirty="0" err="1"/>
+              <a:rPr lang="en-US" sz="3600" dirty="0" err="1"/>
               <a:t>inputFile</a:t>
             </a:r>
             <a:r>
-              <a:rPr lang="en-US" dirty="0"/>
+              <a:rPr lang="en-US" sz="3600" dirty="0"/>
               <a:t>,</a:t>
             </a:r>
           </a:p>
           <a:p>
             <a:pPr lvl="1"/>
             <a:r>
-              <a:rPr lang="en-US" dirty="0"/>
+              <a:rPr lang="en-US" sz="3600" dirty="0"/>
               <a:t>                </a:t>
             </a:r>
             <a:r>
-              <a:rPr lang="cs-CZ" dirty="0"/>
+              <a:rPr lang="cs-CZ" sz="3600" dirty="0"/>
               <a:t> </a:t>
             </a:r>
             <a:r>
-              <a:rPr lang="en-US" dirty="0"/>
+              <a:rPr lang="en-US" sz="3600" dirty="0"/>
               <a:t>encoding = encoding,</a:t>
             </a:r>
-            <a:endParaRPr lang="cs-CZ" dirty="0"/>
+            <a:endParaRPr lang="cs-CZ" sz="3600" dirty="0"/>
           </a:p>
           <a:p>
             <a:pPr lvl="1"/>
             <a:r>
-              <a:rPr lang="cs-CZ" dirty="0"/>
+              <a:rPr lang="cs-CZ" sz="3600" dirty="0"/>
               <a:t>                 </a:t>
             </a:r>
             <a:r>
-              <a:rPr lang="en-US" dirty="0" err="1"/>
+              <a:rPr lang="en-US" sz="3600" dirty="0" err="1"/>
               <a:t>output_dir</a:t>
             </a:r>
             <a:r>
-              <a:rPr lang="en-US" dirty="0"/>
+              <a:rPr lang="en-US" sz="3600" dirty="0"/>
               <a:t> = "output/")})</a:t>
             </a:r>
-            <a:endParaRPr lang="cs-CZ" dirty="0"/>
-          </a:p>
-          <a:p>
-            <a:r>
-              <a:rPr lang="cs-CZ" dirty="0"/>
+            <a:endParaRPr lang="cs-CZ" sz="3600" dirty="0"/>
+          </a:p>
+          <a:p>
+            <a:r>
+              <a:rPr lang="cs-CZ" sz="3600" dirty="0"/>
               <a:t>---</a:t>
             </a:r>
-            <a:endParaRPr lang="en-US" dirty="0"/>
+            <a:endParaRPr lang="en-US" sz="3600" dirty="0"/>
           </a:p>
         </p:txBody>
       </p:sp>
@@ -5100,6 +5100,99 @@
             <a:r>
               <a:rPr lang="en-US" dirty="0"/>
               <a:t>/style.css"</a:t>
+            </a:r>
+          </a:p>
+        </p:txBody>
+      </p:sp>
+      <p:sp>
+        <p:nvSpPr>
+          <p:cNvPr id="4" name="TextBox 3">
+            <a:extLst>
+              <a:ext uri="{FF2B5EF4-FFF2-40B4-BE49-F238E27FC236}">
+                <a16:creationId xmlns:a16="http://schemas.microsoft.com/office/drawing/2014/main" id="{D3462C3A-4FF7-A73F-BD49-B366BA53B2DC}"/>
+              </a:ext>
+            </a:extLst>
+          </p:cNvPr>
+          <p:cNvSpPr txBox="1"/>
+          <p:nvPr/>
+        </p:nvSpPr>
+        <p:spPr>
+          <a:xfrm>
+            <a:off x="604158" y="2223805"/>
+            <a:ext cx="9911442" cy="2062103"/>
+          </a:xfrm>
+          <a:prstGeom prst="rect">
+            <a:avLst/>
+          </a:prstGeom>
+          <a:noFill/>
+        </p:spPr>
+        <p:txBody>
+          <a:bodyPr wrap="square">
+            <a:spAutoFit/>
+          </a:bodyPr>
+          <a:lstStyle/>
+          <a:p>
+            <a:r>
+              <a:rPr lang="en-US" sz="1400" dirty="0"/>
+              <a:t>@import </a:t>
+            </a:r>
+            <a:r>
+              <a:rPr lang="en-US" sz="1400" dirty="0" err="1"/>
+              <a:t>url</a:t>
+            </a:r>
+            <a:r>
+              <a:rPr lang="en-US" sz="1400" dirty="0"/>
+              <a:t>('https://fonts.googleapis.com/css2?family=Fira+Code:wght@400..700&amp;display=swap‘);</a:t>
+            </a:r>
+            <a:endParaRPr lang="cs-CZ" sz="1400" dirty="0"/>
+          </a:p>
+          <a:p>
+            <a:endParaRPr lang="cs-CZ" sz="1400" dirty="0"/>
+          </a:p>
+          <a:p>
+            <a:r>
+              <a:rPr lang="en-US" sz="2000" dirty="0"/>
+              <a:t>code {</a:t>
+            </a:r>
+            <a:endParaRPr lang="cs-CZ" sz="2000" dirty="0"/>
+          </a:p>
+          <a:p>
+            <a:r>
+              <a:rPr lang="cs-CZ" sz="2000" dirty="0"/>
+              <a:t>	</a:t>
+            </a:r>
+            <a:r>
+              <a:rPr lang="en-US" sz="2000" dirty="0"/>
+              <a:t>font-family: "Fira Code", monospace;</a:t>
+            </a:r>
+            <a:endParaRPr lang="cs-CZ" sz="2000" dirty="0"/>
+          </a:p>
+          <a:p>
+            <a:r>
+              <a:rPr lang="cs-CZ" sz="2000" dirty="0"/>
+              <a:t>	</a:t>
+            </a:r>
+            <a:r>
+              <a:rPr lang="en-US" sz="2000" dirty="0"/>
+              <a:t>font-weight: 400;</a:t>
+            </a:r>
+            <a:endParaRPr lang="cs-CZ" sz="2000" dirty="0"/>
+          </a:p>
+          <a:p>
+            <a:r>
+              <a:rPr lang="cs-CZ" sz="2000" dirty="0"/>
+              <a:t>	</a:t>
+            </a:r>
+            <a:r>
+              <a:rPr lang="en-US" sz="2000" dirty="0"/>
+              <a:t>font-style: normal;</a:t>
+            </a:r>
+            <a:endParaRPr lang="cs-CZ" sz="2000" dirty="0"/>
+          </a:p>
+          <a:p>
+            <a:r>
+              <a:rPr lang="en-US" sz="2000" dirty="0"/>
+              <a:t>}</a:t>
             </a:r>
           </a:p>
         </p:txBody>
@@ -11887,6 +11980,26 @@
 </file>
 
 <file path=customXml/item1.xml><?xml version="1.0" encoding="utf-8"?>
+<?mso-contentType ?>
+<FormTemplates xmlns="http://schemas.microsoft.com/sharepoint/v3/contenttype/forms">
+  <Display>DocumentLibraryForm</Display>
+  <Edit>DocumentLibraryForm</Edit>
+  <New>DocumentLibraryForm</New>
+</FormTemplates>
+</file>
+
+<file path=customXml/item2.xml><?xml version="1.0" encoding="utf-8"?>
+<p:properties xmlns:p="http://schemas.microsoft.com/office/2006/metadata/properties" xmlns:xsi="http://www.w3.org/2001/XMLSchema-instance" xmlns:pc="http://schemas.microsoft.com/office/infopath/2007/PartnerControls">
+  <documentManagement>
+    <lcf76f155ced4ddcb4097134ff3c332f xmlns="b5e40aea-b4ae-4b94-9008-c1fed4a5c359">
+      <Terms xmlns="http://schemas.microsoft.com/office/infopath/2007/PartnerControls"/>
+    </lcf76f155ced4ddcb4097134ff3c332f>
+    <TaxCatchAll xmlns="c95f7331-2dea-4b91-a62c-a2ea58dcbe03" xsi:nil="true"/>
+  </documentManagement>
+</p:properties>
+</file>
+
+<file path=customXml/item3.xml><?xml version="1.0" encoding="utf-8"?>
 <ct:contentTypeSchema xmlns:ct="http://schemas.microsoft.com/office/2006/metadata/contentType" xmlns:ma="http://schemas.microsoft.com/office/2006/metadata/properties/metaAttributes" ct:_="" ma:_="" ma:contentTypeName="Dokument" ma:contentTypeID="0x010100483762EB5A18C04DBFA29C99AD83F26B" ma:contentTypeVersion="15" ma:contentTypeDescription="Vytvoří nový dokument" ma:contentTypeScope="" ma:versionID="d9ef6691753f8d1d5aac364a0a95b869">
   <xsd:schema xmlns:xsd="http://www.w3.org/2001/XMLSchema" xmlns:xs="http://www.w3.org/2001/XMLSchema" xmlns:p="http://schemas.microsoft.com/office/2006/metadata/properties" xmlns:ns2="b5e40aea-b4ae-4b94-9008-c1fed4a5c359" xmlns:ns3="c95f7331-2dea-4b91-a62c-a2ea58dcbe03" targetNamespace="http://schemas.microsoft.com/office/2006/metadata/properties" ma:root="true" ma:fieldsID="8ffb3d0fa66fdebc604d2e8eddcb4819" ns2:_="" ns3:_="">
     <xsd:import namespace="b5e40aea-b4ae-4b94-9008-c1fed4a5c359"/>
@@ -12121,27 +12234,26 @@
 </ct:contentTypeSchema>
 </file>
 
-<file path=customXml/item2.xml><?xml version="1.0" encoding="utf-8"?>
-<?mso-contentType ?>
-<FormTemplates xmlns="http://schemas.microsoft.com/sharepoint/v3/contenttype/forms">
-  <Display>DocumentLibraryForm</Display>
-  <Edit>DocumentLibraryForm</Edit>
-  <New>DocumentLibraryForm</New>
-</FormTemplates>
+<file path=customXml/itemProps1.xml><?xml version="1.0" encoding="utf-8"?>
+<ds:datastoreItem xmlns:ds="http://schemas.openxmlformats.org/officeDocument/2006/customXml" ds:itemID="{35AAFBE4-E0F2-46C8-9B9D-C83397D2F04E}">
+  <ds:schemaRefs>
+    <ds:schemaRef ds:uri="http://schemas.microsoft.com/sharepoint/v3/contenttype/forms"/>
+  </ds:schemaRefs>
+</ds:datastoreItem>
 </file>
 
-<file path=customXml/item3.xml><?xml version="1.0" encoding="utf-8"?>
-<p:properties xmlns:p="http://schemas.microsoft.com/office/2006/metadata/properties" xmlns:xsi="http://www.w3.org/2001/XMLSchema-instance" xmlns:pc="http://schemas.microsoft.com/office/infopath/2007/PartnerControls">
-  <documentManagement>
-    <lcf76f155ced4ddcb4097134ff3c332f xmlns="b5e40aea-b4ae-4b94-9008-c1fed4a5c359">
-      <Terms xmlns="http://schemas.microsoft.com/office/infopath/2007/PartnerControls"/>
-    </lcf76f155ced4ddcb4097134ff3c332f>
-    <TaxCatchAll xmlns="c95f7331-2dea-4b91-a62c-a2ea58dcbe03" xsi:nil="true"/>
-  </documentManagement>
-</p:properties>
+<file path=customXml/itemProps2.xml><?xml version="1.0" encoding="utf-8"?>
+<ds:datastoreItem xmlns:ds="http://schemas.openxmlformats.org/officeDocument/2006/customXml" ds:itemID="{E33785A2-D7CE-4CE1-98CE-0E3D5DDB8231}">
+  <ds:schemaRefs>
+    <ds:schemaRef ds:uri="http://schemas.microsoft.com/office/2006/metadata/properties"/>
+    <ds:schemaRef ds:uri="http://schemas.microsoft.com/office/infopath/2007/PartnerControls"/>
+    <ds:schemaRef ds:uri="b5e40aea-b4ae-4b94-9008-c1fed4a5c359"/>
+    <ds:schemaRef ds:uri="c95f7331-2dea-4b91-a62c-a2ea58dcbe03"/>
+  </ds:schemaRefs>
+</ds:datastoreItem>
 </file>
 
-<file path=customXml/itemProps1.xml><?xml version="1.0" encoding="utf-8"?>
+<file path=customXml/itemProps3.xml><?xml version="1.0" encoding="utf-8"?>
 <ds:datastoreItem xmlns:ds="http://schemas.openxmlformats.org/officeDocument/2006/customXml" ds:itemID="{9FF36B38-92E1-4434-B928-0B6896AEBC4E}">
   <ds:schemaRefs>
     <ds:schemaRef ds:uri="http://schemas.microsoft.com/office/2006/metadata/contentType"/>
@@ -12158,23 +12270,4 @@
     <ds:schemaRef ds:uri="http://schemas.microsoft.com/internal/obd"/>
   </ds:schemaRefs>
 </ds:datastoreItem>
-</file>
-
-<file path=customXml/itemProps2.xml><?xml version="1.0" encoding="utf-8"?>
-<ds:datastoreItem xmlns:ds="http://schemas.openxmlformats.org/officeDocument/2006/customXml" ds:itemID="{35AAFBE4-E0F2-46C8-9B9D-C83397D2F04E}">
-  <ds:schemaRefs>
-    <ds:schemaRef ds:uri="http://schemas.microsoft.com/sharepoint/v3/contenttype/forms"/>
-  </ds:schemaRefs>
-</ds:datastoreItem>
-</file>
-
-<file path=customXml/itemProps3.xml><?xml version="1.0" encoding="utf-8"?>
-<ds:datastoreItem xmlns:ds="http://schemas.openxmlformats.org/officeDocument/2006/customXml" ds:itemID="{E33785A2-D7CE-4CE1-98CE-0E3D5DDB8231}">
-  <ds:schemaRefs>
-    <ds:schemaRef ds:uri="http://schemas.microsoft.com/office/2006/metadata/properties"/>
-    <ds:schemaRef ds:uri="http://schemas.microsoft.com/office/infopath/2007/PartnerControls"/>
-    <ds:schemaRef ds:uri="b5e40aea-b4ae-4b94-9008-c1fed4a5c359"/>
-    <ds:schemaRef ds:uri="c95f7331-2dea-4b91-a62c-a2ea58dcbe03"/>
-  </ds:schemaRefs>
-</ds:datastoreItem>
 </file>
--- a/Prezentace/4_RMarkdown_formaty.pptx
+++ b/Prezentace/4_RMarkdown_formaty.pptx
@@ -320,7 +320,7 @@
               <a:pPr>
                 <a:defRPr/>
               </a:pPr>
-              <a:t>06.06.2024</a:t>
+              <a:t>07.06.2024</a:t>
             </a:fld>
             <a:endParaRPr lang="cs-CZ"/>
           </a:p>
@@ -3516,7 +3516,7 @@
               <a:pPr>
                 <a:defRPr/>
               </a:pPr>
-              <a:t>06.06.2024</a:t>
+              <a:t>07.06.2024</a:t>
             </a:fld>
             <a:endParaRPr lang="cs-CZ"/>
           </a:p>
@@ -7312,8 +7312,8 @@
         </p:nvSpPr>
         <p:spPr bwMode="auto">
           <a:xfrm>
-            <a:off x="2895310" y="2620963"/>
-            <a:ext cx="5645777" cy="833150"/>
+            <a:off x="2914546" y="2620963"/>
+            <a:ext cx="5607304" cy="833150"/>
           </a:xfrm>
           <a:prstGeom prst="rect">
             <a:avLst/>
@@ -7503,27 +7503,8 @@
                 <a:ea typeface="+mj-ea"/>
                 <a:cs typeface="Poppins"/>
               </a:rPr>
-              <a:t>Obrázky, </a:t>
-            </a:r>
-            <a:r>
-              <a:rPr lang="cs-CZ" altLang="cs-CZ" sz="4400" b="0" dirty="0" err="1">
-                <a:solidFill>
-                  <a:srgbClr val="0074B0"/>
-                </a:solidFill>
-                <a:latin typeface="Poppins"/>
-                <a:ea typeface="+mj-ea"/>
-                <a:cs typeface="Poppins"/>
-              </a:rPr>
-              <a:t>visualizace</a:t>
-            </a:r>
-            <a:endParaRPr lang="cs-CZ" altLang="cs-CZ" sz="4400" b="0" dirty="0">
-              <a:solidFill>
-                <a:srgbClr val="0074B0"/>
-              </a:solidFill>
-              <a:latin typeface="Poppins"/>
-              <a:ea typeface="+mj-ea"/>
-              <a:cs typeface="Poppins"/>
-            </a:endParaRPr>
+              <a:t>Obrázky, vizualizace</a:t>
+            </a:r>
           </a:p>
         </p:txBody>
       </p:sp>
@@ -9205,7 +9186,7 @@
         <p:spPr>
           <a:xfrm>
             <a:off x="634482" y="1324947"/>
-            <a:ext cx="9591869" cy="3477875"/>
+            <a:ext cx="9591869" cy="4201150"/>
           </a:xfrm>
           <a:prstGeom prst="rect">
             <a:avLst/>
@@ -9252,6 +9233,31 @@
               <a:t>Neinteraktivita</a:t>
             </a:r>
             <a:endParaRPr lang="cs-CZ" sz="3200" b="0" dirty="0"/>
+          </a:p>
+          <a:p>
+            <a:pPr marL="914400" lvl="1" indent="-457200">
+              <a:spcAft>
+                <a:spcPts val="1800"/>
+              </a:spcAft>
+              <a:buFont typeface="Courier New" panose="02070309020205020404" pitchFamily="49" charset="0"/>
+              <a:buChar char="o"/>
+            </a:pPr>
+            <a:r>
+              <a:rPr lang="cs-CZ" sz="3200" b="0" dirty="0" err="1"/>
+              <a:t>knitr</a:t>
+            </a:r>
+            <a:r>
+              <a:rPr lang="cs-CZ" sz="3200" b="0" dirty="0"/>
+              <a:t>::</a:t>
+            </a:r>
+            <a:r>
+              <a:rPr lang="cs-CZ" sz="3200" b="0" dirty="0" err="1"/>
+              <a:t>is</a:t>
+            </a:r>
+            <a:r>
+              <a:rPr lang="cs-CZ" sz="3200" b="0" dirty="0"/>
+              <a:t>_..._output()</a:t>
+            </a:r>
           </a:p>
           <a:p>
             <a:pPr marL="457200" indent="-457200">
@@ -11980,26 +11986,6 @@
 </file>
 
 <file path=customXml/item1.xml><?xml version="1.0" encoding="utf-8"?>
-<?mso-contentType ?>
-<FormTemplates xmlns="http://schemas.microsoft.com/sharepoint/v3/contenttype/forms">
-  <Display>DocumentLibraryForm</Display>
-  <Edit>DocumentLibraryForm</Edit>
-  <New>DocumentLibraryForm</New>
-</FormTemplates>
-</file>
-
-<file path=customXml/item2.xml><?xml version="1.0" encoding="utf-8"?>
-<p:properties xmlns:p="http://schemas.microsoft.com/office/2006/metadata/properties" xmlns:xsi="http://www.w3.org/2001/XMLSchema-instance" xmlns:pc="http://schemas.microsoft.com/office/infopath/2007/PartnerControls">
-  <documentManagement>
-    <lcf76f155ced4ddcb4097134ff3c332f xmlns="b5e40aea-b4ae-4b94-9008-c1fed4a5c359">
-      <Terms xmlns="http://schemas.microsoft.com/office/infopath/2007/PartnerControls"/>
-    </lcf76f155ced4ddcb4097134ff3c332f>
-    <TaxCatchAll xmlns="c95f7331-2dea-4b91-a62c-a2ea58dcbe03" xsi:nil="true"/>
-  </documentManagement>
-</p:properties>
-</file>
-
-<file path=customXml/item3.xml><?xml version="1.0" encoding="utf-8"?>
 <ct:contentTypeSchema xmlns:ct="http://schemas.microsoft.com/office/2006/metadata/contentType" xmlns:ma="http://schemas.microsoft.com/office/2006/metadata/properties/metaAttributes" ct:_="" ma:_="" ma:contentTypeName="Dokument" ma:contentTypeID="0x010100483762EB5A18C04DBFA29C99AD83F26B" ma:contentTypeVersion="15" ma:contentTypeDescription="Vytvoří nový dokument" ma:contentTypeScope="" ma:versionID="d9ef6691753f8d1d5aac364a0a95b869">
   <xsd:schema xmlns:xsd="http://www.w3.org/2001/XMLSchema" xmlns:xs="http://www.w3.org/2001/XMLSchema" xmlns:p="http://schemas.microsoft.com/office/2006/metadata/properties" xmlns:ns2="b5e40aea-b4ae-4b94-9008-c1fed4a5c359" xmlns:ns3="c95f7331-2dea-4b91-a62c-a2ea58dcbe03" targetNamespace="http://schemas.microsoft.com/office/2006/metadata/properties" ma:root="true" ma:fieldsID="8ffb3d0fa66fdebc604d2e8eddcb4819" ns2:_="" ns3:_="">
     <xsd:import namespace="b5e40aea-b4ae-4b94-9008-c1fed4a5c359"/>
@@ -12234,26 +12220,27 @@
 </ct:contentTypeSchema>
 </file>
 
-<file path=customXml/itemProps1.xml><?xml version="1.0" encoding="utf-8"?>
-<ds:datastoreItem xmlns:ds="http://schemas.openxmlformats.org/officeDocument/2006/customXml" ds:itemID="{35AAFBE4-E0F2-46C8-9B9D-C83397D2F04E}">
-  <ds:schemaRefs>
-    <ds:schemaRef ds:uri="http://schemas.microsoft.com/sharepoint/v3/contenttype/forms"/>
-  </ds:schemaRefs>
-</ds:datastoreItem>
+<file path=customXml/item2.xml><?xml version="1.0" encoding="utf-8"?>
+<?mso-contentType ?>
+<FormTemplates xmlns="http://schemas.microsoft.com/sharepoint/v3/contenttype/forms">
+  <Display>DocumentLibraryForm</Display>
+  <Edit>DocumentLibraryForm</Edit>
+  <New>DocumentLibraryForm</New>
+</FormTemplates>
 </file>
 
-<file path=customXml/itemProps2.xml><?xml version="1.0" encoding="utf-8"?>
-<ds:datastoreItem xmlns:ds="http://schemas.openxmlformats.org/officeDocument/2006/customXml" ds:itemID="{E33785A2-D7CE-4CE1-98CE-0E3D5DDB8231}">
-  <ds:schemaRefs>
-    <ds:schemaRef ds:uri="http://schemas.microsoft.com/office/2006/metadata/properties"/>
-    <ds:schemaRef ds:uri="http://schemas.microsoft.com/office/infopath/2007/PartnerControls"/>
-    <ds:schemaRef ds:uri="b5e40aea-b4ae-4b94-9008-c1fed4a5c359"/>
-    <ds:schemaRef ds:uri="c95f7331-2dea-4b91-a62c-a2ea58dcbe03"/>
-  </ds:schemaRefs>
-</ds:datastoreItem>
+<file path=customXml/item3.xml><?xml version="1.0" encoding="utf-8"?>
+<p:properties xmlns:p="http://schemas.microsoft.com/office/2006/metadata/properties" xmlns:xsi="http://www.w3.org/2001/XMLSchema-instance" xmlns:pc="http://schemas.microsoft.com/office/infopath/2007/PartnerControls">
+  <documentManagement>
+    <lcf76f155ced4ddcb4097134ff3c332f xmlns="b5e40aea-b4ae-4b94-9008-c1fed4a5c359">
+      <Terms xmlns="http://schemas.microsoft.com/office/infopath/2007/PartnerControls"/>
+    </lcf76f155ced4ddcb4097134ff3c332f>
+    <TaxCatchAll xmlns="c95f7331-2dea-4b91-a62c-a2ea58dcbe03" xsi:nil="true"/>
+  </documentManagement>
+</p:properties>
 </file>
 
-<file path=customXml/itemProps3.xml><?xml version="1.0" encoding="utf-8"?>
+<file path=customXml/itemProps1.xml><?xml version="1.0" encoding="utf-8"?>
 <ds:datastoreItem xmlns:ds="http://schemas.openxmlformats.org/officeDocument/2006/customXml" ds:itemID="{9FF36B38-92E1-4434-B928-0B6896AEBC4E}">
   <ds:schemaRefs>
     <ds:schemaRef ds:uri="http://schemas.microsoft.com/office/2006/metadata/contentType"/>
@@ -12270,4 +12257,23 @@
     <ds:schemaRef ds:uri="http://schemas.microsoft.com/internal/obd"/>
   </ds:schemaRefs>
 </ds:datastoreItem>
+</file>
+
+<file path=customXml/itemProps2.xml><?xml version="1.0" encoding="utf-8"?>
+<ds:datastoreItem xmlns:ds="http://schemas.openxmlformats.org/officeDocument/2006/customXml" ds:itemID="{35AAFBE4-E0F2-46C8-9B9D-C83397D2F04E}">
+  <ds:schemaRefs>
+    <ds:schemaRef ds:uri="http://schemas.microsoft.com/sharepoint/v3/contenttype/forms"/>
+  </ds:schemaRefs>
+</ds:datastoreItem>
+</file>
+
+<file path=customXml/itemProps3.xml><?xml version="1.0" encoding="utf-8"?>
+<ds:datastoreItem xmlns:ds="http://schemas.openxmlformats.org/officeDocument/2006/customXml" ds:itemID="{E33785A2-D7CE-4CE1-98CE-0E3D5DDB8231}">
+  <ds:schemaRefs>
+    <ds:schemaRef ds:uri="http://schemas.microsoft.com/office/2006/metadata/properties"/>
+    <ds:schemaRef ds:uri="http://schemas.microsoft.com/office/infopath/2007/PartnerControls"/>
+    <ds:schemaRef ds:uri="b5e40aea-b4ae-4b94-9008-c1fed4a5c359"/>
+    <ds:schemaRef ds:uri="c95f7331-2dea-4b91-a62c-a2ea58dcbe03"/>
+  </ds:schemaRefs>
+</ds:datastoreItem>
 </file>